--- a/reclist/日语发音方法-utau-for-Chinese.pptx
+++ b/reclist/日语发音方法-utau-for-Chinese.pptx
@@ -3435,7 +3435,7 @@
           <a:p>
             <a:r>
               <a:rPr lang="en-US" altLang="zh-CN"/>
-              <a:t>p,t,k,c,ch,c</a:t>
+              <a:t>p,t,k,q,ch,c</a:t>
             </a:r>
             <a:r>
               <a:rPr lang="zh-CN" altLang="en-US"/>
